--- a/docs/diagrams/CheckEmailSequenceDiagram.pptx
+++ b/docs/diagrams/CheckEmailSequenceDiagram.pptx
@@ -3534,8 +3534,8 @@
         </p:nvSpPr>
         <p:spPr>
           <a:xfrm>
-            <a:off x="3745423" y="134255"/>
-            <a:ext cx="5246177" cy="4400926"/>
+            <a:off x="3745423" y="134254"/>
+            <a:ext cx="5246177" cy="6114145"/>
           </a:xfrm>
           <a:prstGeom prst="roundRect">
             <a:avLst>
@@ -3596,7 +3596,7 @@
         <p:spPr>
           <a:xfrm>
             <a:off x="467813" y="163018"/>
-            <a:ext cx="3145929" cy="4343400"/>
+            <a:ext cx="3145929" cy="6085382"/>
           </a:xfrm>
           <a:prstGeom prst="roundRect">
             <a:avLst>
@@ -3726,7 +3726,7 @@
         <p:spPr>
           <a:xfrm>
             <a:off x="2006702" y="890706"/>
-            <a:ext cx="0" cy="3481399"/>
+            <a:ext cx="0" cy="4976694"/>
           </a:xfrm>
           <a:prstGeom prst="line">
             <a:avLst/>
@@ -3762,8 +3762,8 @@
         </p:nvSpPr>
         <p:spPr>
           <a:xfrm>
-            <a:off x="1930502" y="1290963"/>
-            <a:ext cx="152400" cy="2932689"/>
+            <a:off x="1930114" y="1290963"/>
+            <a:ext cx="152788" cy="4195437"/>
           </a:xfrm>
           <a:prstGeom prst="rect">
             <a:avLst/>
@@ -3806,14 +3806,13 @@
           <p:cNvPr id="23" name="Straight Arrow Connector 22"/>
           <p:cNvCxnSpPr>
             <a:cxnSpLocks/>
-            <a:endCxn id="6" idx="0"/>
           </p:cNvCxnSpPr>
           <p:nvPr/>
         </p:nvCxnSpPr>
         <p:spPr>
           <a:xfrm flipV="1">
-            <a:off x="336132" y="1290963"/>
-            <a:ext cx="1670570" cy="14975"/>
+            <a:off x="336132" y="1305938"/>
+            <a:ext cx="1594370" cy="1"/>
           </a:xfrm>
           <a:prstGeom prst="straightConnector1">
             <a:avLst/>
@@ -3884,7 +3883,7 @@
         </p:nvCxnSpPr>
         <p:spPr>
           <a:xfrm>
-            <a:off x="336132" y="4223652"/>
+            <a:off x="336132" y="5486400"/>
             <a:ext cx="1746770" cy="0"/>
           </a:xfrm>
           <a:prstGeom prst="straightConnector1">
@@ -3948,16 +3947,6 @@
           </a:lstStyle>
           <a:p>
             <a:r>
-              <a:rPr lang="en-US" sz="1200" dirty="0" err="1">
-                <a:solidFill>
-                  <a:schemeClr val="accent4">
-                    <a:lumMod val="75000"/>
-                  </a:schemeClr>
-                </a:solidFill>
-              </a:rPr>
-              <a:t>getMyEmail</a:t>
-            </a:r>
-            <a:r>
               <a:rPr lang="en-US" sz="1200" dirty="0">
                 <a:solidFill>
                   <a:schemeClr val="accent4">
@@ -3965,7 +3954,7 @@
                   </a:schemeClr>
                 </a:solidFill>
               </a:rPr>
-              <a:t>()</a:t>
+              <a:t>getMyEmail()</a:t>
             </a:r>
             <a:endParaRPr lang="en-US" sz="1200" dirty="0"/>
           </a:p>
@@ -3979,7 +3968,7 @@
         </p:nvSpPr>
         <p:spPr>
           <a:xfrm>
-            <a:off x="645270" y="3945901"/>
+            <a:off x="645270" y="5208649"/>
             <a:ext cx="762000" cy="215444"/>
           </a:xfrm>
           <a:prstGeom prst="rect">
@@ -4060,15 +4049,7 @@
                   <a:schemeClr val="bg1"/>
                 </a:solidFill>
               </a:rPr>
-              <a:t>: </a:t>
-            </a:r>
-            <a:r>
-              <a:rPr lang="en-US" sz="1600" dirty="0" err="1">
-                <a:solidFill>
-                  <a:schemeClr val="bg1"/>
-                </a:solidFill>
-              </a:rPr>
-              <a:t>UserPrefs</a:t>
+              <a:t>: UserPrefs</a:t>
             </a:r>
             <a:endParaRPr lang="en-SG" sz="1600" dirty="0">
               <a:solidFill>
@@ -4194,8 +4175,8 @@
         </p:nvCxnSpPr>
         <p:spPr>
           <a:xfrm flipH="1">
-            <a:off x="4377182" y="1434427"/>
-            <a:ext cx="14075" cy="2937678"/>
+            <a:off x="4372781" y="1434427"/>
+            <a:ext cx="18477" cy="4432973"/>
           </a:xfrm>
           <a:prstGeom prst="line">
             <a:avLst/>
@@ -4323,9 +4304,9 @@
           <p:nvPr/>
         </p:nvCxnSpPr>
         <p:spPr>
-          <a:xfrm flipH="1">
-            <a:off x="5979979" y="1652476"/>
-            <a:ext cx="8870" cy="2719629"/>
+          <a:xfrm>
+            <a:off x="5988849" y="1652476"/>
+            <a:ext cx="0" cy="4214924"/>
           </a:xfrm>
           <a:prstGeom prst="line">
             <a:avLst/>
@@ -4390,20 +4371,12 @@
           </a:lstStyle>
           <a:p>
             <a:r>
-              <a:rPr lang="en-US" sz="1200" dirty="0" err="1">
-                <a:solidFill>
-                  <a:srgbClr val="7030A0"/>
-                </a:solidFill>
-              </a:rPr>
-              <a:t>getDefaultEmail</a:t>
-            </a:r>
-            <a:r>
               <a:rPr lang="en-US" sz="1200" dirty="0">
                 <a:solidFill>
                   <a:srgbClr val="7030A0"/>
                 </a:solidFill>
               </a:rPr>
-              <a:t>()</a:t>
+              <a:t>getDefaultEmail()</a:t>
             </a:r>
             <a:endParaRPr lang="en-US" sz="1200" dirty="0">
               <a:solidFill>
@@ -4560,7 +4533,7 @@
         </p:nvSpPr>
         <p:spPr>
           <a:xfrm>
-            <a:off x="6629400" y="2636373"/>
+            <a:off x="6629400" y="3626972"/>
             <a:ext cx="1350439" cy="335427"/>
           </a:xfrm>
           <a:prstGeom prst="rect">
@@ -4622,13 +4595,14 @@
           </p:cNvPr>
           <p:cNvCxnSpPr>
             <a:cxnSpLocks/>
+            <a:stCxn id="53" idx="2"/>
           </p:cNvCxnSpPr>
           <p:nvPr/>
         </p:nvCxnSpPr>
         <p:spPr>
           <a:xfrm flipH="1">
-            <a:off x="7323361" y="1940160"/>
-            <a:ext cx="1" cy="2431945"/>
+            <a:off x="7300719" y="3962399"/>
+            <a:ext cx="3901" cy="1905001"/>
           </a:xfrm>
           <a:prstGeom prst="line">
             <a:avLst/>
@@ -4672,7 +4646,7 @@
         </p:nvCxnSpPr>
         <p:spPr>
           <a:xfrm>
-            <a:off x="2057400" y="2819400"/>
+            <a:off x="2057400" y="3809999"/>
             <a:ext cx="4572000" cy="5598"/>
           </a:xfrm>
           <a:prstGeom prst="straightConnector1">
@@ -4714,7 +4688,7 @@
         </p:nvSpPr>
         <p:spPr>
           <a:xfrm>
-            <a:off x="7237317" y="2972120"/>
+            <a:off x="7237317" y="3886200"/>
             <a:ext cx="168895" cy="228279"/>
           </a:xfrm>
           <a:prstGeom prst="rect">
@@ -4770,8 +4744,8 @@
         </p:nvCxnSpPr>
         <p:spPr>
           <a:xfrm flipV="1">
-            <a:off x="2057400" y="3200399"/>
-            <a:ext cx="5264365" cy="2"/>
+            <a:off x="2040777" y="4114479"/>
+            <a:ext cx="5280988" cy="22962"/>
           </a:xfrm>
           <a:prstGeom prst="straightConnector1">
             <a:avLst/>
@@ -4814,7 +4788,7 @@
         </p:nvSpPr>
         <p:spPr>
           <a:xfrm>
-            <a:off x="7237316" y="3398788"/>
+            <a:off x="7237316" y="4389387"/>
             <a:ext cx="168896" cy="547113"/>
           </a:xfrm>
           <a:prstGeom prst="rect">
@@ -4869,7 +4843,7 @@
         </p:nvCxnSpPr>
         <p:spPr>
           <a:xfrm>
-            <a:off x="2006702" y="3398788"/>
+            <a:off x="2006702" y="4389387"/>
             <a:ext cx="5230614" cy="0"/>
           </a:xfrm>
           <a:prstGeom prst="straightConnector1">
@@ -4940,7 +4914,7 @@
           </a:lstStyle>
           <a:p>
             <a:r>
-              <a:rPr lang="en-US" sz="1200" dirty="0" err="1">
+              <a:rPr lang="en-US" sz="1200" dirty="0">
                 <a:solidFill>
                   <a:srgbClr val="7030A0"/>
                 </a:solidFill>
@@ -5000,7 +4974,7 @@
           </a:lstStyle>
           <a:p>
             <a:r>
-              <a:rPr lang="en-US" sz="1200" dirty="0" err="1">
+              <a:rPr lang="en-US" sz="1200" dirty="0">
                 <a:solidFill>
                   <a:srgbClr val="7030A0"/>
                 </a:solidFill>
@@ -5031,7 +5005,7 @@
         </p:nvSpPr>
         <p:spPr>
           <a:xfrm>
-            <a:off x="2530567" y="2640332"/>
+            <a:off x="2743200" y="3625334"/>
             <a:ext cx="1606407" cy="184666"/>
           </a:xfrm>
           <a:prstGeom prst="rect">
@@ -5065,23 +5039,7 @@
                   <a:srgbClr val="7030A0"/>
                 </a:solidFill>
               </a:rPr>
-              <a:t>new Email(</a:t>
-            </a:r>
-            <a:r>
-              <a:rPr lang="en-US" sz="1200" dirty="0" err="1">
-                <a:solidFill>
-                  <a:srgbClr val="7030A0"/>
-                </a:solidFill>
-              </a:rPr>
-              <a:t>myEmail</a:t>
-            </a:r>
-            <a:r>
-              <a:rPr lang="en-US" sz="1200" dirty="0">
-                <a:solidFill>
-                  <a:srgbClr val="7030A0"/>
-                </a:solidFill>
-              </a:rPr>
-              <a:t>)</a:t>
+              <a:t>new Email(myEmail)</a:t>
             </a:r>
             <a:endParaRPr lang="en-US" sz="1200" dirty="0">
               <a:solidFill>
@@ -5107,7 +5065,7 @@
         </p:nvSpPr>
         <p:spPr>
           <a:xfrm>
-            <a:off x="2819399" y="3239175"/>
+            <a:off x="2819399" y="4229774"/>
             <a:ext cx="1131171" cy="184666"/>
           </a:xfrm>
           <a:prstGeom prst="rect">
@@ -5136,20 +5094,12 @@
           </a:lstStyle>
           <a:p>
             <a:r>
-              <a:rPr lang="en-US" sz="1200" dirty="0" err="1">
-                <a:solidFill>
-                  <a:srgbClr val="7030A0"/>
-                </a:solidFill>
-              </a:rPr>
-              <a:t>getCensored</a:t>
-            </a:r>
-            <a:r>
               <a:rPr lang="en-US" sz="1200" dirty="0">
                 <a:solidFill>
                   <a:srgbClr val="7030A0"/>
                 </a:solidFill>
               </a:rPr>
-              <a:t>()</a:t>
+              <a:t>getCensored()</a:t>
             </a:r>
             <a:endParaRPr lang="en-US" sz="1200" dirty="0">
               <a:solidFill>
@@ -5177,7 +5127,7 @@
         </p:nvCxnSpPr>
         <p:spPr>
           <a:xfrm>
-            <a:off x="2040777" y="3962400"/>
+            <a:off x="2040777" y="4952999"/>
             <a:ext cx="5196539" cy="0"/>
           </a:xfrm>
           <a:prstGeom prst="straightConnector1">
@@ -5221,7 +5171,7 @@
         </p:nvSpPr>
         <p:spPr>
           <a:xfrm>
-            <a:off x="3160282" y="3777734"/>
+            <a:off x="3160282" y="4768333"/>
             <a:ext cx="421118" cy="184666"/>
           </a:xfrm>
           <a:prstGeom prst="rect">
@@ -5281,7 +5231,7 @@
         </p:nvSpPr>
         <p:spPr>
           <a:xfrm>
-            <a:off x="7378038" y="3547896"/>
+            <a:off x="7378038" y="4538495"/>
             <a:ext cx="114218" cy="274136"/>
           </a:xfrm>
           <a:prstGeom prst="rect">
@@ -5337,7 +5287,7 @@
         </p:nvCxnSpPr>
         <p:spPr>
           <a:xfrm rot="16200000" flipH="1">
-            <a:off x="7380567" y="3435197"/>
+            <a:off x="7380567" y="4425796"/>
             <a:ext cx="117887" cy="105492"/>
           </a:xfrm>
           <a:prstGeom prst="curvedConnector3">
@@ -5381,7 +5331,7 @@
         </p:nvSpPr>
         <p:spPr>
           <a:xfrm>
-            <a:off x="7409405" y="3163238"/>
+            <a:off x="7409405" y="4153837"/>
             <a:ext cx="1488037" cy="215444"/>
           </a:xfrm>
           <a:prstGeom prst="rect">
@@ -5395,21 +5345,13 @@
           </a:bodyPr>
           <a:lstStyle/>
           <a:p>
-            <a:r>
-              <a:rPr lang="en-US" sz="1400" dirty="0" err="1">
-                <a:solidFill>
-                  <a:srgbClr val="7030A0"/>
-                </a:solidFill>
-              </a:rPr>
-              <a:t>doCensoring</a:t>
-            </a:r>
             <a:r>
               <a:rPr lang="en-US" sz="1400" dirty="0">
                 <a:solidFill>
                   <a:srgbClr val="7030A0"/>
                 </a:solidFill>
               </a:rPr>
-              <a:t>(length)</a:t>
+              <a:t>doCensoring(length)</a:t>
             </a:r>
           </a:p>
         </p:txBody>
@@ -5430,7 +5372,7 @@
         </p:nvCxnSpPr>
         <p:spPr>
           <a:xfrm rot="10800000" flipV="1">
-            <a:off x="7399952" y="3838531"/>
+            <a:off x="7399952" y="4829130"/>
             <a:ext cx="151921" cy="123869"/>
           </a:xfrm>
           <a:prstGeom prst="curvedConnector3">
@@ -5461,6 +5403,536 @@
           </a:fontRef>
         </p:style>
       </p:cxnSp>
+      <p:sp>
+        <p:nvSpPr>
+          <p:cNvPr id="13" name="Frame 12">
+            <a:extLst>
+              <a:ext uri="{FF2B5EF4-FFF2-40B4-BE49-F238E27FC236}">
+                <a16:creationId xmlns:a16="http://schemas.microsoft.com/office/drawing/2014/main" id="{C1AD4840-A82F-1C4F-AD95-214BC03F37F8}"/>
+              </a:ext>
+            </a:extLst>
+          </p:cNvPr>
+          <p:cNvSpPr/>
+          <p:nvPr/>
+        </p:nvSpPr>
+        <p:spPr>
+          <a:xfrm>
+            <a:off x="467813" y="2631222"/>
+            <a:ext cx="8523788" cy="3079911"/>
+          </a:xfrm>
+          <a:prstGeom prst="frame">
+            <a:avLst>
+              <a:gd name="adj1" fmla="val 0"/>
+            </a:avLst>
+          </a:prstGeom>
+          <a:ln/>
+        </p:spPr>
+        <p:style>
+          <a:lnRef idx="2">
+            <a:schemeClr val="accent2"/>
+          </a:lnRef>
+          <a:fillRef idx="1">
+            <a:schemeClr val="lt1"/>
+          </a:fillRef>
+          <a:effectRef idx="0">
+            <a:schemeClr val="accent2"/>
+          </a:effectRef>
+          <a:fontRef idx="minor">
+            <a:schemeClr val="dk1"/>
+          </a:fontRef>
+        </p:style>
+        <p:txBody>
+          <a:bodyPr rIns="90000" rtlCol="0" anchor="ctr"/>
+          <a:lstStyle/>
+          <a:p>
+            <a:pPr algn="ctr"/>
+            <a:endParaRPr lang="en-US">
+              <a:solidFill>
+                <a:schemeClr val="tx1"/>
+              </a:solidFill>
+            </a:endParaRPr>
+          </a:p>
+        </p:txBody>
+      </p:sp>
+      <p:cxnSp>
+        <p:nvCxnSpPr>
+          <p:cNvPr id="15" name="Straight Connector 14">
+            <a:extLst>
+              <a:ext uri="{FF2B5EF4-FFF2-40B4-BE49-F238E27FC236}">
+                <a16:creationId xmlns:a16="http://schemas.microsoft.com/office/drawing/2014/main" id="{6C02594A-731C-7E43-8E13-2B444B9EAF3E}"/>
+              </a:ext>
+            </a:extLst>
+          </p:cNvPr>
+          <p:cNvCxnSpPr>
+            <a:cxnSpLocks/>
+          </p:cNvCxnSpPr>
+          <p:nvPr/>
+        </p:nvCxnSpPr>
+        <p:spPr>
+          <a:xfrm>
+            <a:off x="598443" y="3505200"/>
+            <a:ext cx="8393157" cy="0"/>
+          </a:xfrm>
+          <a:prstGeom prst="line">
+            <a:avLst/>
+          </a:prstGeom>
+          <a:ln w="9525" cap="flat" cmpd="sng" algn="ctr">
+            <a:solidFill>
+              <a:schemeClr val="accent2"/>
+            </a:solidFill>
+            <a:prstDash val="dash"/>
+            <a:round/>
+            <a:headEnd type="none" w="med" len="med"/>
+            <a:tailEnd type="none" w="med" len="med"/>
+          </a:ln>
+        </p:spPr>
+        <p:style>
+          <a:lnRef idx="0">
+            <a:scrgbClr r="0" g="0" b="0"/>
+          </a:lnRef>
+          <a:fillRef idx="0">
+            <a:scrgbClr r="0" g="0" b="0"/>
+          </a:fillRef>
+          <a:effectRef idx="0">
+            <a:scrgbClr r="0" g="0" b="0"/>
+          </a:effectRef>
+          <a:fontRef idx="minor">
+            <a:schemeClr val="tx1"/>
+          </a:fontRef>
+        </p:style>
+      </p:cxnSp>
+      <p:sp>
+        <p:nvSpPr>
+          <p:cNvPr id="17" name="Snip Single Corner Rectangle 16">
+            <a:extLst>
+              <a:ext uri="{FF2B5EF4-FFF2-40B4-BE49-F238E27FC236}">
+                <a16:creationId xmlns:a16="http://schemas.microsoft.com/office/drawing/2014/main" id="{FFAE86D6-6DCA-5C4A-B42F-EED75310092C}"/>
+              </a:ext>
+            </a:extLst>
+          </p:cNvPr>
+          <p:cNvSpPr/>
+          <p:nvPr/>
+        </p:nvSpPr>
+        <p:spPr>
+          <a:xfrm rot="10800000">
+            <a:off x="457200" y="2632127"/>
+            <a:ext cx="884007" cy="301060"/>
+          </a:xfrm>
+          <a:custGeom>
+            <a:avLst/>
+            <a:gdLst>
+              <a:gd name="connsiteX0" fmla="*/ 0 w 1071138"/>
+              <a:gd name="connsiteY0" fmla="*/ 0 h 550640"/>
+              <a:gd name="connsiteX1" fmla="*/ 848735 w 1071138"/>
+              <a:gd name="connsiteY1" fmla="*/ 0 h 550640"/>
+              <a:gd name="connsiteX2" fmla="*/ 1071138 w 1071138"/>
+              <a:gd name="connsiteY2" fmla="*/ 222403 h 550640"/>
+              <a:gd name="connsiteX3" fmla="*/ 1071138 w 1071138"/>
+              <a:gd name="connsiteY3" fmla="*/ 550640 h 550640"/>
+              <a:gd name="connsiteX4" fmla="*/ 0 w 1071138"/>
+              <a:gd name="connsiteY4" fmla="*/ 550640 h 550640"/>
+              <a:gd name="connsiteX5" fmla="*/ 0 w 1071138"/>
+              <a:gd name="connsiteY5" fmla="*/ 0 h 550640"/>
+              <a:gd name="connsiteX0" fmla="*/ 600238 w 1671376"/>
+              <a:gd name="connsiteY0" fmla="*/ 0 h 550640"/>
+              <a:gd name="connsiteX1" fmla="*/ 0 w 1671376"/>
+              <a:gd name="connsiteY1" fmla="*/ 0 h 550640"/>
+              <a:gd name="connsiteX2" fmla="*/ 1671376 w 1671376"/>
+              <a:gd name="connsiteY2" fmla="*/ 222403 h 550640"/>
+              <a:gd name="connsiteX3" fmla="*/ 1671376 w 1671376"/>
+              <a:gd name="connsiteY3" fmla="*/ 550640 h 550640"/>
+              <a:gd name="connsiteX4" fmla="*/ 600238 w 1671376"/>
+              <a:gd name="connsiteY4" fmla="*/ 550640 h 550640"/>
+              <a:gd name="connsiteX5" fmla="*/ 600238 w 1671376"/>
+              <a:gd name="connsiteY5" fmla="*/ 0 h 550640"/>
+              <a:gd name="connsiteX0" fmla="*/ 884271 w 1955409"/>
+              <a:gd name="connsiteY0" fmla="*/ 0 h 550640"/>
+              <a:gd name="connsiteX1" fmla="*/ 284033 w 1955409"/>
+              <a:gd name="connsiteY1" fmla="*/ 0 h 550640"/>
+              <a:gd name="connsiteX2" fmla="*/ 0 w 1955409"/>
+              <a:gd name="connsiteY2" fmla="*/ 152064 h 550640"/>
+              <a:gd name="connsiteX3" fmla="*/ 1955409 w 1955409"/>
+              <a:gd name="connsiteY3" fmla="*/ 550640 h 550640"/>
+              <a:gd name="connsiteX4" fmla="*/ 884271 w 1955409"/>
+              <a:gd name="connsiteY4" fmla="*/ 550640 h 550640"/>
+              <a:gd name="connsiteX5" fmla="*/ 884271 w 1955409"/>
+              <a:gd name="connsiteY5" fmla="*/ 0 h 550640"/>
+              <a:gd name="connsiteX0" fmla="*/ 926475 w 926475"/>
+              <a:gd name="connsiteY0" fmla="*/ 0 h 550640"/>
+              <a:gd name="connsiteX1" fmla="*/ 326237 w 926475"/>
+              <a:gd name="connsiteY1" fmla="*/ 0 h 550640"/>
+              <a:gd name="connsiteX2" fmla="*/ 42204 w 926475"/>
+              <a:gd name="connsiteY2" fmla="*/ 152064 h 550640"/>
+              <a:gd name="connsiteX3" fmla="*/ 0 w 926475"/>
+              <a:gd name="connsiteY3" fmla="*/ 550640 h 550640"/>
+              <a:gd name="connsiteX4" fmla="*/ 926475 w 926475"/>
+              <a:gd name="connsiteY4" fmla="*/ 550640 h 550640"/>
+              <a:gd name="connsiteX5" fmla="*/ 926475 w 926475"/>
+              <a:gd name="connsiteY5" fmla="*/ 0 h 550640"/>
+              <a:gd name="connsiteX0" fmla="*/ 884271 w 884271"/>
+              <a:gd name="connsiteY0" fmla="*/ 0 h 550640"/>
+              <a:gd name="connsiteX1" fmla="*/ 284033 w 884271"/>
+              <a:gd name="connsiteY1" fmla="*/ 0 h 550640"/>
+              <a:gd name="connsiteX2" fmla="*/ 0 w 884271"/>
+              <a:gd name="connsiteY2" fmla="*/ 152064 h 550640"/>
+              <a:gd name="connsiteX3" fmla="*/ 28135 w 884271"/>
+              <a:gd name="connsiteY3" fmla="*/ 550640 h 550640"/>
+              <a:gd name="connsiteX4" fmla="*/ 884271 w 884271"/>
+              <a:gd name="connsiteY4" fmla="*/ 550640 h 550640"/>
+              <a:gd name="connsiteX5" fmla="*/ 884271 w 884271"/>
+              <a:gd name="connsiteY5" fmla="*/ 0 h 550640"/>
+              <a:gd name="connsiteX0" fmla="*/ 884271 w 884271"/>
+              <a:gd name="connsiteY0" fmla="*/ 0 h 564708"/>
+              <a:gd name="connsiteX1" fmla="*/ 284033 w 884271"/>
+              <a:gd name="connsiteY1" fmla="*/ 0 h 564708"/>
+              <a:gd name="connsiteX2" fmla="*/ 0 w 884271"/>
+              <a:gd name="connsiteY2" fmla="*/ 152064 h 564708"/>
+              <a:gd name="connsiteX3" fmla="*/ 0 w 884271"/>
+              <a:gd name="connsiteY3" fmla="*/ 564708 h 564708"/>
+              <a:gd name="connsiteX4" fmla="*/ 884271 w 884271"/>
+              <a:gd name="connsiteY4" fmla="*/ 550640 h 564708"/>
+              <a:gd name="connsiteX5" fmla="*/ 884271 w 884271"/>
+              <a:gd name="connsiteY5" fmla="*/ 0 h 564708"/>
+              <a:gd name="connsiteX0" fmla="*/ 884271 w 884271"/>
+              <a:gd name="connsiteY0" fmla="*/ 0 h 550640"/>
+              <a:gd name="connsiteX1" fmla="*/ 284033 w 884271"/>
+              <a:gd name="connsiteY1" fmla="*/ 0 h 550640"/>
+              <a:gd name="connsiteX2" fmla="*/ 0 w 884271"/>
+              <a:gd name="connsiteY2" fmla="*/ 152064 h 550640"/>
+              <a:gd name="connsiteX3" fmla="*/ 14068 w 884271"/>
+              <a:gd name="connsiteY3" fmla="*/ 550640 h 550640"/>
+              <a:gd name="connsiteX4" fmla="*/ 884271 w 884271"/>
+              <a:gd name="connsiteY4" fmla="*/ 550640 h 550640"/>
+              <a:gd name="connsiteX5" fmla="*/ 884271 w 884271"/>
+              <a:gd name="connsiteY5" fmla="*/ 0 h 550640"/>
+              <a:gd name="connsiteX0" fmla="*/ 899069 w 899069"/>
+              <a:gd name="connsiteY0" fmla="*/ 0 h 550640"/>
+              <a:gd name="connsiteX1" fmla="*/ 298831 w 899069"/>
+              <a:gd name="connsiteY1" fmla="*/ 0 h 550640"/>
+              <a:gd name="connsiteX2" fmla="*/ 14798 w 899069"/>
+              <a:gd name="connsiteY2" fmla="*/ 152064 h 550640"/>
+              <a:gd name="connsiteX3" fmla="*/ 0 w 899069"/>
+              <a:gd name="connsiteY3" fmla="*/ 550640 h 550640"/>
+              <a:gd name="connsiteX4" fmla="*/ 899069 w 899069"/>
+              <a:gd name="connsiteY4" fmla="*/ 550640 h 550640"/>
+              <a:gd name="connsiteX5" fmla="*/ 899069 w 899069"/>
+              <a:gd name="connsiteY5" fmla="*/ 0 h 550640"/>
+              <a:gd name="connsiteX0" fmla="*/ 884635 w 884635"/>
+              <a:gd name="connsiteY0" fmla="*/ 0 h 579605"/>
+              <a:gd name="connsiteX1" fmla="*/ 284397 w 884635"/>
+              <a:gd name="connsiteY1" fmla="*/ 0 h 579605"/>
+              <a:gd name="connsiteX2" fmla="*/ 364 w 884635"/>
+              <a:gd name="connsiteY2" fmla="*/ 152064 h 579605"/>
+              <a:gd name="connsiteX3" fmla="*/ 0 w 884635"/>
+              <a:gd name="connsiteY3" fmla="*/ 579605 h 579605"/>
+              <a:gd name="connsiteX4" fmla="*/ 884635 w 884635"/>
+              <a:gd name="connsiteY4" fmla="*/ 550640 h 579605"/>
+              <a:gd name="connsiteX5" fmla="*/ 884635 w 884635"/>
+              <a:gd name="connsiteY5" fmla="*/ 0 h 579605"/>
+              <a:gd name="connsiteX0" fmla="*/ 884635 w 884635"/>
+              <a:gd name="connsiteY0" fmla="*/ 0 h 565122"/>
+              <a:gd name="connsiteX1" fmla="*/ 284397 w 884635"/>
+              <a:gd name="connsiteY1" fmla="*/ 0 h 565122"/>
+              <a:gd name="connsiteX2" fmla="*/ 364 w 884635"/>
+              <a:gd name="connsiteY2" fmla="*/ 152064 h 565122"/>
+              <a:gd name="connsiteX3" fmla="*/ 0 w 884635"/>
+              <a:gd name="connsiteY3" fmla="*/ 565122 h 565122"/>
+              <a:gd name="connsiteX4" fmla="*/ 884635 w 884635"/>
+              <a:gd name="connsiteY4" fmla="*/ 550640 h 565122"/>
+              <a:gd name="connsiteX5" fmla="*/ 884635 w 884635"/>
+              <a:gd name="connsiteY5" fmla="*/ 0 h 565122"/>
+            </a:gdLst>
+            <a:ahLst/>
+            <a:cxnLst>
+              <a:cxn ang="0">
+                <a:pos x="connsiteX0" y="connsiteY0"/>
+              </a:cxn>
+              <a:cxn ang="0">
+                <a:pos x="connsiteX1" y="connsiteY1"/>
+              </a:cxn>
+              <a:cxn ang="0">
+                <a:pos x="connsiteX2" y="connsiteY2"/>
+              </a:cxn>
+              <a:cxn ang="0">
+                <a:pos x="connsiteX3" y="connsiteY3"/>
+              </a:cxn>
+              <a:cxn ang="0">
+                <a:pos x="connsiteX4" y="connsiteY4"/>
+              </a:cxn>
+              <a:cxn ang="0">
+                <a:pos x="connsiteX5" y="connsiteY5"/>
+              </a:cxn>
+            </a:cxnLst>
+            <a:rect l="l" t="t" r="r" b="b"/>
+            <a:pathLst>
+              <a:path w="884635" h="565122">
+                <a:moveTo>
+                  <a:pt x="884635" y="0"/>
+                </a:moveTo>
+                <a:lnTo>
+                  <a:pt x="284397" y="0"/>
+                </a:lnTo>
+                <a:lnTo>
+                  <a:pt x="364" y="152064"/>
+                </a:lnTo>
+                <a:cubicBezTo>
+                  <a:pt x="243" y="294578"/>
+                  <a:pt x="121" y="422608"/>
+                  <a:pt x="0" y="565122"/>
+                </a:cubicBezTo>
+                <a:lnTo>
+                  <a:pt x="884635" y="550640"/>
+                </a:lnTo>
+                <a:lnTo>
+                  <a:pt x="884635" y="0"/>
+                </a:lnTo>
+                <a:close/>
+              </a:path>
+            </a:pathLst>
+          </a:custGeom>
+          <a:noFill/>
+        </p:spPr>
+        <p:style>
+          <a:lnRef idx="2">
+            <a:schemeClr val="accent2"/>
+          </a:lnRef>
+          <a:fillRef idx="1">
+            <a:schemeClr val="lt1"/>
+          </a:fillRef>
+          <a:effectRef idx="0">
+            <a:schemeClr val="accent2"/>
+          </a:effectRef>
+          <a:fontRef idx="minor">
+            <a:schemeClr val="dk1"/>
+          </a:fontRef>
+        </p:style>
+        <p:txBody>
+          <a:bodyPr rtlCol="0" anchor="ctr"/>
+          <a:lstStyle/>
+          <a:p>
+            <a:pPr algn="ctr"/>
+            <a:endParaRPr lang="en-US">
+              <a:solidFill>
+                <a:schemeClr val="accent2"/>
+              </a:solidFill>
+            </a:endParaRPr>
+          </a:p>
+        </p:txBody>
+      </p:sp>
+      <p:sp>
+        <p:nvSpPr>
+          <p:cNvPr id="18" name="TextBox 17">
+            <a:extLst>
+              <a:ext uri="{FF2B5EF4-FFF2-40B4-BE49-F238E27FC236}">
+                <a16:creationId xmlns:a16="http://schemas.microsoft.com/office/drawing/2014/main" id="{33597D24-D639-E84B-9382-36ECB5EAE4C5}"/>
+              </a:ext>
+            </a:extLst>
+          </p:cNvPr>
+          <p:cNvSpPr txBox="1"/>
+          <p:nvPr/>
+        </p:nvSpPr>
+        <p:spPr>
+          <a:xfrm>
+            <a:off x="645270" y="2631222"/>
+            <a:ext cx="644294" cy="369332"/>
+          </a:xfrm>
+          <a:prstGeom prst="rect">
+            <a:avLst/>
+          </a:prstGeom>
+          <a:noFill/>
+        </p:spPr>
+        <p:txBody>
+          <a:bodyPr wrap="square" rtlCol="0">
+            <a:spAutoFit/>
+          </a:bodyPr>
+          <a:lstStyle/>
+          <a:p>
+            <a:r>
+              <a:rPr lang="en-US" dirty="0">
+                <a:solidFill>
+                  <a:schemeClr val="accent2"/>
+                </a:solidFill>
+              </a:rPr>
+              <a:t>alt</a:t>
+            </a:r>
+            <a:endParaRPr lang="en-US" sz="1400" dirty="0">
+              <a:solidFill>
+                <a:schemeClr val="accent2"/>
+              </a:solidFill>
+            </a:endParaRPr>
+          </a:p>
+        </p:txBody>
+      </p:sp>
+      <p:cxnSp>
+        <p:nvCxnSpPr>
+          <p:cNvPr id="65" name="Straight Arrow Connector 64">
+            <a:extLst>
+              <a:ext uri="{FF2B5EF4-FFF2-40B4-BE49-F238E27FC236}">
+                <a16:creationId xmlns:a16="http://schemas.microsoft.com/office/drawing/2014/main" id="{FC617E73-374D-8D4F-BA0D-588E41C40F38}"/>
+              </a:ext>
+            </a:extLst>
+          </p:cNvPr>
+          <p:cNvCxnSpPr>
+            <a:cxnSpLocks/>
+          </p:cNvCxnSpPr>
+          <p:nvPr/>
+        </p:nvCxnSpPr>
+        <p:spPr>
+          <a:xfrm>
+            <a:off x="310630" y="3276600"/>
+            <a:ext cx="1746770" cy="0"/>
+          </a:xfrm>
+          <a:prstGeom prst="straightConnector1">
+            <a:avLst/>
+          </a:prstGeom>
+          <a:ln w="19050">
+            <a:solidFill>
+              <a:schemeClr val="accent1"/>
+            </a:solidFill>
+            <a:prstDash val="sysDash"/>
+            <a:headEnd type="arrow" w="med" len="med"/>
+            <a:tailEnd type="none" w="med" len="med"/>
+          </a:ln>
+        </p:spPr>
+        <p:style>
+          <a:lnRef idx="1">
+            <a:schemeClr val="accent1"/>
+          </a:lnRef>
+          <a:fillRef idx="0">
+            <a:schemeClr val="accent1"/>
+          </a:fillRef>
+          <a:effectRef idx="0">
+            <a:schemeClr val="accent1"/>
+          </a:effectRef>
+          <a:fontRef idx="minor">
+            <a:schemeClr val="tx1"/>
+          </a:fontRef>
+        </p:style>
+      </p:cxnSp>
+      <p:sp>
+        <p:nvSpPr>
+          <p:cNvPr id="66" name="TextBox 65">
+            <a:extLst>
+              <a:ext uri="{FF2B5EF4-FFF2-40B4-BE49-F238E27FC236}">
+                <a16:creationId xmlns:a16="http://schemas.microsoft.com/office/drawing/2014/main" id="{F2CEC828-3889-5E49-A8EE-B1E33E709BE7}"/>
+              </a:ext>
+            </a:extLst>
+          </p:cNvPr>
+          <p:cNvSpPr txBox="1"/>
+          <p:nvPr/>
+        </p:nvSpPr>
+        <p:spPr>
+          <a:xfrm>
+            <a:off x="269328" y="3276600"/>
+            <a:ext cx="1594815" cy="215444"/>
+          </a:xfrm>
+          <a:prstGeom prst="rect">
+            <a:avLst/>
+          </a:prstGeom>
+          <a:noFill/>
+        </p:spPr>
+        <p:txBody>
+          <a:bodyPr wrap="square" lIns="0" tIns="0" rIns="0" bIns="0" rtlCol="0">
+            <a:spAutoFit/>
+          </a:bodyPr>
+          <a:lstStyle>
+            <a:defPPr>
+              <a:defRPr lang="en-US"/>
+            </a:defPPr>
+            <a:lvl1pPr algn="r">
+              <a:defRPr sz="1400">
+                <a:solidFill>
+                  <a:srgbClr val="0070C0"/>
+                </a:solidFill>
+              </a:defRPr>
+            </a:lvl1pPr>
+          </a:lstStyle>
+          <a:p>
+            <a:r>
+              <a:rPr lang="en-US" dirty="0"/>
+              <a:t>CommandExeption</a:t>
+            </a:r>
+          </a:p>
+        </p:txBody>
+      </p:sp>
+      <p:sp>
+        <p:nvSpPr>
+          <p:cNvPr id="19" name="TextBox 18">
+            <a:extLst>
+              <a:ext uri="{FF2B5EF4-FFF2-40B4-BE49-F238E27FC236}">
+                <a16:creationId xmlns:a16="http://schemas.microsoft.com/office/drawing/2014/main" id="{D52A08B3-60DE-B047-882C-C38752A31737}"/>
+              </a:ext>
+            </a:extLst>
+          </p:cNvPr>
+          <p:cNvSpPr txBox="1"/>
+          <p:nvPr/>
+        </p:nvSpPr>
+        <p:spPr>
+          <a:xfrm>
+            <a:off x="671299" y="2983468"/>
+            <a:ext cx="1462301" cy="369332"/>
+          </a:xfrm>
+          <a:prstGeom prst="rect">
+            <a:avLst/>
+          </a:prstGeom>
+          <a:noFill/>
+        </p:spPr>
+        <p:txBody>
+          <a:bodyPr wrap="square" rtlCol="0">
+            <a:spAutoFit/>
+          </a:bodyPr>
+          <a:lstStyle/>
+          <a:p>
+            <a:r>
+              <a:rPr lang="en-US" dirty="0">
+                <a:solidFill>
+                  <a:schemeClr val="accent2"/>
+                </a:solidFill>
+              </a:rPr>
+              <a:t>[“default”]</a:t>
+            </a:r>
+          </a:p>
+        </p:txBody>
+      </p:sp>
+      <p:sp>
+        <p:nvSpPr>
+          <p:cNvPr id="67" name="TextBox 66">
+            <a:extLst>
+              <a:ext uri="{FF2B5EF4-FFF2-40B4-BE49-F238E27FC236}">
+                <a16:creationId xmlns:a16="http://schemas.microsoft.com/office/drawing/2014/main" id="{AA0891CB-CCC4-E04C-9461-4A94561C49DF}"/>
+              </a:ext>
+            </a:extLst>
+          </p:cNvPr>
+          <p:cNvSpPr txBox="1"/>
+          <p:nvPr/>
+        </p:nvSpPr>
+        <p:spPr>
+          <a:xfrm>
+            <a:off x="2254948" y="3468148"/>
+            <a:ext cx="1462301" cy="369332"/>
+          </a:xfrm>
+          <a:prstGeom prst="rect">
+            <a:avLst/>
+          </a:prstGeom>
+          <a:noFill/>
+        </p:spPr>
+        <p:txBody>
+          <a:bodyPr wrap="square" rtlCol="0">
+            <a:spAutoFit/>
+          </a:bodyPr>
+          <a:lstStyle/>
+          <a:p>
+            <a:r>
+              <a:rPr lang="en-US" dirty="0">
+                <a:solidFill>
+                  <a:schemeClr val="accent2"/>
+                </a:solidFill>
+              </a:rPr>
+              <a:t>[gmail]</a:t>
+            </a:r>
+          </a:p>
+        </p:txBody>
+      </p:sp>
     </p:spTree>
     <p:extLst>
       <p:ext uri="{BB962C8B-B14F-4D97-AF65-F5344CB8AC3E}">

--- a/docs/diagrams/CheckEmailSequenceDiagram.pptx
+++ b/docs/diagrams/CheckEmailSequenceDiagram.pptx
@@ -5849,9 +5849,10 @@
           </a:lstStyle>
           <a:p>
             <a:r>
-              <a:rPr lang="en-US" dirty="0"/>
-              <a:t>CommandExeption</a:t>
-            </a:r>
+              <a:rPr lang="en-US" dirty="0" err="1"/>
+              <a:t>CommandException</a:t>
+            </a:r>
+            <a:endParaRPr lang="en-US" dirty="0"/>
           </a:p>
         </p:txBody>
       </p:sp>
